--- a/presentations/Session_8_Circuit_Breaker.pptx
+++ b/presentations/Session_8_Circuit_Breaker.pptx
@@ -228,7 +228,7 @@
           <a:p>
             <a:fld id="{372E5B6B-8713-8747-AE5B-F1241B2BF5F0}" type="datetimeFigureOut">
               <a:rPr lang="en-US" smtClean="0"/>
-              <a:t>11/1/17</a:t>
+              <a:t>4/24/18</a:t>
             </a:fld>
             <a:endParaRPr lang="en-US"/>
           </a:p>
@@ -394,7 +394,7 @@
           <a:p>
             <a:fld id="{7E7B7340-DDD5-1B49-81AA-25BC4050C073}" type="datetimeFigureOut">
               <a:rPr lang="en-US" smtClean="0"/>
-              <a:t>11/1/17</a:t>
+              <a:t>4/24/18</a:t>
             </a:fld>
             <a:endParaRPr lang="en-US"/>
           </a:p>
@@ -10498,7 +10498,15 @@
           <a:p>
             <a:r>
               <a:rPr lang="en-US" sz="1800" b="1" dirty="0" smtClean="0"/>
-              <a:t>Hystrix publishers real-time metrics for each </a:t>
+              <a:t>Hystrix </a:t>
+            </a:r>
+            <a:r>
+              <a:rPr lang="en-US" sz="1800" b="1" dirty="0" smtClean="0"/>
+              <a:t>publishes </a:t>
+            </a:r>
+            <a:r>
+              <a:rPr lang="en-US" sz="1800" b="1" dirty="0" smtClean="0"/>
+              <a:t>real-time metrics for each </a:t>
             </a:r>
             <a:r>
               <a:rPr lang="en-US" sz="1800" b="1" dirty="0" smtClean="0">
@@ -10583,7 +10591,15 @@
           <a:p>
             <a:r>
               <a:rPr lang="en-US" sz="1800" dirty="0" smtClean="0"/>
-              <a:t>Individual /hystrix.streams aggregated via Turbine and published via /</a:t>
+              <a:t>Individual /</a:t>
+            </a:r>
+            <a:r>
+              <a:rPr lang="en-US" sz="1800" dirty="0" err="1" smtClean="0"/>
+              <a:t>hystrix.streams</a:t>
+            </a:r>
+            <a:r>
+              <a:rPr lang="en-US" sz="1800" dirty="0" smtClean="0"/>
+              <a:t> aggregated via Turbine and published via /</a:t>
             </a:r>
             <a:r>
               <a:rPr lang="en-US" sz="1800" dirty="0" err="1" smtClean="0"/>
